--- a/Notes/python/python_notes.pptx
+++ b/Notes/python/python_notes.pptx
@@ -249,7 +249,7 @@
           <a:p>
             <a:fld id="{A63E0BE3-463E-487B-B716-77FFA30EA717}" type="datetimeFigureOut">
               <a:rPr lang="en-US" smtClean="0"/>
-              <a:t>3/18/2017</a:t>
+              <a:t>6/5/2020</a:t>
             </a:fld>
             <a:endParaRPr lang="en-US"/>
           </a:p>
@@ -419,7 +419,7 @@
           <a:p>
             <a:fld id="{FDDEC35C-4CAE-4F25-B3C3-137572B012EB}" type="datetimeFigureOut">
               <a:rPr lang="en-US" smtClean="0"/>
-              <a:t>3/18/2017</a:t>
+              <a:t>6/5/2020</a:t>
             </a:fld>
             <a:endParaRPr lang="en-US"/>
           </a:p>
@@ -809,7 +809,7 @@
           <a:p>
             <a:fld id="{72095589-1F2D-4229-8793-7914286CC95D}" type="datetime1">
               <a:rPr lang="en-US" smtClean="0"/>
-              <a:t>3/18/2017</a:t>
+              <a:t>6/5/2020</a:t>
             </a:fld>
             <a:endParaRPr lang="en-US" dirty="0"/>
           </a:p>
@@ -983,7 +983,7 @@
           <a:p>
             <a:fld id="{B442EE64-96CE-4274-81F7-8145DC33C301}" type="datetime1">
               <a:rPr lang="en-US" smtClean="0"/>
-              <a:t>3/18/2017</a:t>
+              <a:t>6/5/2020</a:t>
             </a:fld>
             <a:endParaRPr lang="en-US"/>
           </a:p>
@@ -1167,7 +1167,7 @@
           <a:p>
             <a:fld id="{3848B6D6-B9DD-445B-9CF3-1B88585CD718}" type="datetime1">
               <a:rPr lang="en-US" smtClean="0"/>
-              <a:t>3/18/2017</a:t>
+              <a:t>6/5/2020</a:t>
             </a:fld>
             <a:endParaRPr lang="en-US"/>
           </a:p>
@@ -1363,7 +1363,7 @@
           <a:p>
             <a:fld id="{54B6762C-E026-40C6-869B-46FDA69BBE10}" type="datetimeFigureOut">
               <a:rPr lang="en-US" smtClean="0"/>
-              <a:t>3/18/2017</a:t>
+              <a:t>6/5/2020</a:t>
             </a:fld>
             <a:endParaRPr lang="en-US"/>
           </a:p>
@@ -1533,7 +1533,7 @@
           <a:p>
             <a:fld id="{54B6762C-E026-40C6-869B-46FDA69BBE10}" type="datetimeFigureOut">
               <a:rPr lang="en-US" smtClean="0"/>
-              <a:t>3/18/2017</a:t>
+              <a:t>6/5/2020</a:t>
             </a:fld>
             <a:endParaRPr lang="en-US"/>
           </a:p>
@@ -1779,7 +1779,7 @@
           <a:p>
             <a:fld id="{54B6762C-E026-40C6-869B-46FDA69BBE10}" type="datetimeFigureOut">
               <a:rPr lang="en-US" smtClean="0"/>
-              <a:t>3/18/2017</a:t>
+              <a:t>6/5/2020</a:t>
             </a:fld>
             <a:endParaRPr lang="en-US"/>
           </a:p>
@@ -2011,7 +2011,7 @@
           <a:p>
             <a:fld id="{54B6762C-E026-40C6-869B-46FDA69BBE10}" type="datetimeFigureOut">
               <a:rPr lang="en-US" smtClean="0"/>
-              <a:t>3/18/2017</a:t>
+              <a:t>6/5/2020</a:t>
             </a:fld>
             <a:endParaRPr lang="en-US"/>
           </a:p>
@@ -2378,7 +2378,7 @@
           <a:p>
             <a:fld id="{54B6762C-E026-40C6-869B-46FDA69BBE10}" type="datetimeFigureOut">
               <a:rPr lang="en-US" smtClean="0"/>
-              <a:t>3/18/2017</a:t>
+              <a:t>6/5/2020</a:t>
             </a:fld>
             <a:endParaRPr lang="en-US"/>
           </a:p>
@@ -2496,7 +2496,7 @@
           <a:p>
             <a:fld id="{54B6762C-E026-40C6-869B-46FDA69BBE10}" type="datetimeFigureOut">
               <a:rPr lang="en-US" smtClean="0"/>
-              <a:t>3/18/2017</a:t>
+              <a:t>6/5/2020</a:t>
             </a:fld>
             <a:endParaRPr lang="en-US"/>
           </a:p>
@@ -2591,7 +2591,7 @@
           <a:p>
             <a:fld id="{54B6762C-E026-40C6-869B-46FDA69BBE10}" type="datetimeFigureOut">
               <a:rPr lang="en-US" smtClean="0"/>
-              <a:t>3/18/2017</a:t>
+              <a:t>6/5/2020</a:t>
             </a:fld>
             <a:endParaRPr lang="en-US"/>
           </a:p>
@@ -2868,7 +2868,7 @@
           <a:p>
             <a:fld id="{54B6762C-E026-40C6-869B-46FDA69BBE10}" type="datetimeFigureOut">
               <a:rPr lang="en-US" smtClean="0"/>
-              <a:t>3/18/2017</a:t>
+              <a:t>6/5/2020</a:t>
             </a:fld>
             <a:endParaRPr lang="en-US"/>
           </a:p>
@@ -3038,7 +3038,7 @@
           <a:p>
             <a:fld id="{C7E82F5F-9B4F-4A5C-831E-120949344C92}" type="datetime1">
               <a:rPr lang="en-US" smtClean="0"/>
-              <a:t>3/18/2017</a:t>
+              <a:t>6/5/2020</a:t>
             </a:fld>
             <a:endParaRPr lang="en-US"/>
           </a:p>
@@ -3295,7 +3295,7 @@
           <a:p>
             <a:fld id="{54B6762C-E026-40C6-869B-46FDA69BBE10}" type="datetimeFigureOut">
               <a:rPr lang="en-US" smtClean="0"/>
-              <a:t>3/18/2017</a:t>
+              <a:t>6/5/2020</a:t>
             </a:fld>
             <a:endParaRPr lang="en-US"/>
           </a:p>
@@ -3465,7 +3465,7 @@
           <a:p>
             <a:fld id="{54B6762C-E026-40C6-869B-46FDA69BBE10}" type="datetimeFigureOut">
               <a:rPr lang="en-US" smtClean="0"/>
-              <a:t>3/18/2017</a:t>
+              <a:t>6/5/2020</a:t>
             </a:fld>
             <a:endParaRPr lang="en-US"/>
           </a:p>
@@ -3645,7 +3645,7 @@
           <a:p>
             <a:fld id="{54B6762C-E026-40C6-869B-46FDA69BBE10}" type="datetimeFigureOut">
               <a:rPr lang="en-US" smtClean="0"/>
-              <a:t>3/18/2017</a:t>
+              <a:t>6/5/2020</a:t>
             </a:fld>
             <a:endParaRPr lang="en-US"/>
           </a:p>
@@ -3837,7 +3837,7 @@
           <a:p>
             <a:fld id="{103E9E45-B669-4A43-8B9E-837119EB0DD3}" type="datetime1">
               <a:rPr lang="en-US" smtClean="0"/>
-              <a:t>3/18/2017</a:t>
+              <a:t>6/5/2020</a:t>
             </a:fld>
             <a:endParaRPr lang="en-US"/>
           </a:p>
@@ -4011,7 +4011,7 @@
           <a:p>
             <a:fld id="{F2CA510D-6B86-4582-AF81-2DE653D099D7}" type="datetime1">
               <a:rPr lang="en-US" smtClean="0"/>
-              <a:t>3/18/2017</a:t>
+              <a:t>6/5/2020</a:t>
             </a:fld>
             <a:endParaRPr lang="en-US"/>
           </a:p>
@@ -4261,7 +4261,7 @@
           <a:p>
             <a:fld id="{8BA0F55E-C955-480E-A584-66D799BA9E83}" type="datetime1">
               <a:rPr lang="en-US" smtClean="0"/>
-              <a:t>3/18/2017</a:t>
+              <a:t>6/5/2020</a:t>
             </a:fld>
             <a:endParaRPr lang="en-US"/>
           </a:p>
@@ -4497,7 +4497,7 @@
           <a:p>
             <a:fld id="{E6A13AF9-560C-4C87-A060-76ECE80A9794}" type="datetime1">
               <a:rPr lang="en-US" smtClean="0"/>
-              <a:t>3/18/2017</a:t>
+              <a:t>6/5/2020</a:t>
             </a:fld>
             <a:endParaRPr lang="en-US"/>
           </a:p>
@@ -4868,7 +4868,7 @@
           <a:p>
             <a:fld id="{E25AD518-FFB5-4660-80A9-484DCA4A4002}" type="datetime1">
               <a:rPr lang="en-US" smtClean="0"/>
-              <a:t>3/18/2017</a:t>
+              <a:t>6/5/2020</a:t>
             </a:fld>
             <a:endParaRPr lang="en-US"/>
           </a:p>
@@ -4990,7 +4990,7 @@
           <a:p>
             <a:fld id="{AE587E42-D10B-4207-B78A-ACA68AA0A68F}" type="datetime1">
               <a:rPr lang="en-US" smtClean="0"/>
-              <a:t>3/18/2017</a:t>
+              <a:t>6/5/2020</a:t>
             </a:fld>
             <a:endParaRPr lang="en-US"/>
           </a:p>
@@ -5089,7 +5089,7 @@
           <a:p>
             <a:fld id="{58DE498A-CD33-4B65-8AFD-4E31FE81F72D}" type="datetime1">
               <a:rPr lang="en-US" smtClean="0"/>
-              <a:t>3/18/2017</a:t>
+              <a:t>6/5/2020</a:t>
             </a:fld>
             <a:endParaRPr lang="en-US"/>
           </a:p>
@@ -5339,7 +5339,7 @@
           <a:p>
             <a:fld id="{0E00E361-17BE-4288-AB08-3B97BE0737C5}" type="datetime1">
               <a:rPr lang="en-US" smtClean="0"/>
-              <a:t>3/18/2017</a:t>
+              <a:t>6/5/2020</a:t>
             </a:fld>
             <a:endParaRPr lang="en-US"/>
           </a:p>
@@ -5620,7 +5620,7 @@
           <a:p>
             <a:fld id="{20DB26F4-13D4-43D6-A93F-56528E17975A}" type="datetime1">
               <a:rPr lang="en-US" smtClean="0"/>
-              <a:t>3/18/2017</a:t>
+              <a:t>6/5/2020</a:t>
             </a:fld>
             <a:endParaRPr lang="en-US"/>
           </a:p>
@@ -5877,7 +5877,7 @@
           <a:p>
             <a:fld id="{0055BD7E-6FF0-4E09-805C-AA88A4081083}" type="datetime1">
               <a:rPr lang="en-US" smtClean="0"/>
-              <a:t>3/18/2017</a:t>
+              <a:t>6/5/2020</a:t>
             </a:fld>
             <a:endParaRPr lang="en-US"/>
           </a:p>
@@ -6051,7 +6051,7 @@
           <a:p>
             <a:fld id="{6EF56BD1-7354-4DA0-8F03-706940EEC3C8}" type="datetime1">
               <a:rPr lang="en-US" smtClean="0"/>
-              <a:t>3/18/2017</a:t>
+              <a:t>6/5/2020</a:t>
             </a:fld>
             <a:endParaRPr lang="en-US"/>
           </a:p>
@@ -6235,7 +6235,7 @@
           <a:p>
             <a:fld id="{1CB1BE92-4DAA-4B83-A86A-7009169ECDC7}" type="datetime1">
               <a:rPr lang="en-US" smtClean="0"/>
-              <a:t>3/18/2017</a:t>
+              <a:t>6/5/2020</a:t>
             </a:fld>
             <a:endParaRPr lang="en-US"/>
           </a:p>
@@ -6471,7 +6471,7 @@
           <a:p>
             <a:fld id="{C14F2707-F4DE-4EC3-906A-E569EC4FE6A2}" type="datetime1">
               <a:rPr lang="en-US" smtClean="0"/>
-              <a:t>3/18/2017</a:t>
+              <a:t>6/5/2020</a:t>
             </a:fld>
             <a:endParaRPr lang="en-US"/>
           </a:p>
@@ -6842,7 +6842,7 @@
           <a:p>
             <a:fld id="{88DAB92F-2757-4D94-8EE0-4CE602C71ACD}" type="datetime1">
               <a:rPr lang="en-US" smtClean="0"/>
-              <a:t>3/18/2017</a:t>
+              <a:t>6/5/2020</a:t>
             </a:fld>
             <a:endParaRPr lang="en-US"/>
           </a:p>
@@ -6964,7 +6964,7 @@
           <a:p>
             <a:fld id="{658FC12C-7C3B-4414-AA1B-E86D050AB677}" type="datetime1">
               <a:rPr lang="en-US" smtClean="0"/>
-              <a:t>3/18/2017</a:t>
+              <a:t>6/5/2020</a:t>
             </a:fld>
             <a:endParaRPr lang="en-US"/>
           </a:p>
@@ -7063,7 +7063,7 @@
           <a:p>
             <a:fld id="{9EE8A447-BA34-4273-95A6-71AB9806CD6B}" type="datetime1">
               <a:rPr lang="en-US" smtClean="0"/>
-              <a:t>3/18/2017</a:t>
+              <a:t>6/5/2020</a:t>
             </a:fld>
             <a:endParaRPr lang="en-US"/>
           </a:p>
@@ -7344,7 +7344,7 @@
           <a:p>
             <a:fld id="{A487F3D7-0A62-4B5F-9DF7-879DC6E4D81A}" type="datetime1">
               <a:rPr lang="en-US" smtClean="0"/>
-              <a:t>3/18/2017</a:t>
+              <a:t>6/5/2020</a:t>
             </a:fld>
             <a:endParaRPr lang="en-US"/>
           </a:p>
@@ -7601,7 +7601,7 @@
           <a:p>
             <a:fld id="{8383956E-0D60-4C7D-9238-FADDCB6660C3}" type="datetime1">
               <a:rPr lang="en-US" smtClean="0"/>
-              <a:t>3/18/2017</a:t>
+              <a:t>6/5/2020</a:t>
             </a:fld>
             <a:endParaRPr lang="en-US"/>
           </a:p>
@@ -7838,7 +7838,7 @@
           <a:p>
             <a:fld id="{13C4B124-5BB2-44B0-9672-EC3E897DD3A4}" type="datetime1">
               <a:rPr lang="en-US" smtClean="0"/>
-              <a:t>3/18/2017</a:t>
+              <a:t>6/5/2020</a:t>
             </a:fld>
             <a:endParaRPr lang="en-US"/>
           </a:p>
@@ -8383,7 +8383,7 @@
           <a:p>
             <a:fld id="{54B6762C-E026-40C6-869B-46FDA69BBE10}" type="datetimeFigureOut">
               <a:rPr lang="en-US" smtClean="0"/>
-              <a:t>3/18/2017</a:t>
+              <a:t>6/5/2020</a:t>
             </a:fld>
             <a:endParaRPr lang="en-US"/>
           </a:p>
@@ -8943,7 +8943,7 @@
           <a:p>
             <a:fld id="{4A261DF8-C7D3-4A7B-A51B-C4D4681F1B37}" type="datetime1">
               <a:rPr lang="en-US" smtClean="0"/>
-              <a:t>3/18/2017</a:t>
+              <a:t>6/5/2020</a:t>
             </a:fld>
             <a:endParaRPr lang="en-US"/>
           </a:p>
@@ -9375,7 +9375,11 @@
           <a:p>
             <a:r>
               <a:rPr lang="en-US" dirty="0" smtClean="0"/>
-              <a:t>Python Programming 2017</a:t>
+              <a:t>Python Programming </a:t>
+            </a:r>
+            <a:r>
+              <a:rPr lang="en-US" dirty="0" smtClean="0"/>
+              <a:t>2019</a:t>
             </a:r>
             <a:endParaRPr lang="en-US" dirty="0"/>
           </a:p>
@@ -9400,7 +9404,7 @@
               <a:rPr lang="en-US" smtClean="0"/>
               <a:t>1</a:t>
             </a:fld>
-            <a:endParaRPr lang="en-US"/>
+            <a:endParaRPr lang="en-US" dirty="0"/>
           </a:p>
         </p:txBody>
       </p:sp>
@@ -23234,11 +23238,7 @@
             </a:pPr>
             <a:r>
               <a:rPr lang="en-US" sz="2000" dirty="0" smtClean="0"/>
-              <a:t>Implementing </a:t>
-            </a:r>
-            <a:r>
-              <a:rPr lang="en-US" sz="2000" dirty="0" smtClean="0"/>
-              <a:t>OOP (</a:t>
+              <a:t>Implementing OOP (</a:t>
             </a:r>
             <a:r>
               <a:rPr lang="en-US" sz="2000" b="1" dirty="0" smtClean="0"/>
@@ -23427,12 +23427,6 @@
               </a:rPr>
               <a:t>)</a:t>
             </a:r>
-            <a:endParaRPr lang="en-US" dirty="0">
-              <a:solidFill>
-                <a:srgbClr val="000000"/>
-              </a:solidFill>
-              <a:latin typeface="Consolas" panose="020B0609020204030204" pitchFamily="49" charset="0"/>
-            </a:endParaRPr>
           </a:p>
         </p:txBody>
       </p:sp>
@@ -24093,7 +24087,6 @@
               <a:rPr lang="en-US" sz="2000" dirty="0" smtClean="0"/>
               <a:t>_attributeName: Protected declaration </a:t>
             </a:r>
-            <a:endParaRPr lang="en-US" sz="2000" dirty="0" smtClean="0"/>
           </a:p>
           <a:p>
             <a:pPr lvl="0">
@@ -24824,12 +24817,6 @@
               </a:rPr>
               <a:t>Using Object alike function</a:t>
             </a:r>
-            <a:endParaRPr lang="en-US" sz="2000" b="1" dirty="0" smtClean="0">
-              <a:solidFill>
-                <a:srgbClr val="000000"/>
-              </a:solidFill>
-              <a:latin typeface="Consolas" panose="020B0609020204030204" pitchFamily="49" charset="0"/>
-            </a:endParaRPr>
           </a:p>
         </p:txBody>
       </p:sp>
